--- a/_template/ShopIntegrator_Homepage/img/portfolio/pictures_titles.pptx
+++ b/_template/ShopIntegrator_Homepage/img/portfolio/pictures_titles.pptx
@@ -107,6 +107,11 @@
       </a:defRPr>
     </a:lvl9pPr>
   </p:defaultTextStyle>
+  <p:extLst>
+    <p:ext uri="{EFAFB233-063F-42B5-8137-9DF3F51BA10A}">
+      <p15:sldGuideLst xmlns:p15="http://schemas.microsoft.com/office/powerpoint/2012/main"/>
+    </p:ext>
+  </p:extLst>
 </p:presentation>
 </file>
 
@@ -241,7 +246,7 @@
           <a:p>
             <a:fld id="{E44906A1-B7F0-4751-A9A2-6A7CEEB285A9}" type="datetimeFigureOut">
               <a:rPr lang="de-DE" smtClean="0"/>
-              <a:t>27.06.2018</a:t>
+              <a:t>25.07.2018</a:t>
             </a:fld>
             <a:endParaRPr lang="de-DE"/>
           </a:p>
@@ -411,7 +416,7 @@
           <a:p>
             <a:fld id="{E44906A1-B7F0-4751-A9A2-6A7CEEB285A9}" type="datetimeFigureOut">
               <a:rPr lang="de-DE" smtClean="0"/>
-              <a:t>27.06.2018</a:t>
+              <a:t>25.07.2018</a:t>
             </a:fld>
             <a:endParaRPr lang="de-DE"/>
           </a:p>
@@ -591,7 +596,7 @@
           <a:p>
             <a:fld id="{E44906A1-B7F0-4751-A9A2-6A7CEEB285A9}" type="datetimeFigureOut">
               <a:rPr lang="de-DE" smtClean="0"/>
-              <a:t>27.06.2018</a:t>
+              <a:t>25.07.2018</a:t>
             </a:fld>
             <a:endParaRPr lang="de-DE"/>
           </a:p>
@@ -761,7 +766,7 @@
           <a:p>
             <a:fld id="{E44906A1-B7F0-4751-A9A2-6A7CEEB285A9}" type="datetimeFigureOut">
               <a:rPr lang="de-DE" smtClean="0"/>
-              <a:t>27.06.2018</a:t>
+              <a:t>25.07.2018</a:t>
             </a:fld>
             <a:endParaRPr lang="de-DE"/>
           </a:p>
@@ -1007,7 +1012,7 @@
           <a:p>
             <a:fld id="{E44906A1-B7F0-4751-A9A2-6A7CEEB285A9}" type="datetimeFigureOut">
               <a:rPr lang="de-DE" smtClean="0"/>
-              <a:t>27.06.2018</a:t>
+              <a:t>25.07.2018</a:t>
             </a:fld>
             <a:endParaRPr lang="de-DE"/>
           </a:p>
@@ -1239,7 +1244,7 @@
           <a:p>
             <a:fld id="{E44906A1-B7F0-4751-A9A2-6A7CEEB285A9}" type="datetimeFigureOut">
               <a:rPr lang="de-DE" smtClean="0"/>
-              <a:t>27.06.2018</a:t>
+              <a:t>25.07.2018</a:t>
             </a:fld>
             <a:endParaRPr lang="de-DE"/>
           </a:p>
@@ -1606,7 +1611,7 @@
           <a:p>
             <a:fld id="{E44906A1-B7F0-4751-A9A2-6A7CEEB285A9}" type="datetimeFigureOut">
               <a:rPr lang="de-DE" smtClean="0"/>
-              <a:t>27.06.2018</a:t>
+              <a:t>25.07.2018</a:t>
             </a:fld>
             <a:endParaRPr lang="de-DE"/>
           </a:p>
@@ -1724,7 +1729,7 @@
           <a:p>
             <a:fld id="{E44906A1-B7F0-4751-A9A2-6A7CEEB285A9}" type="datetimeFigureOut">
               <a:rPr lang="de-DE" smtClean="0"/>
-              <a:t>27.06.2018</a:t>
+              <a:t>25.07.2018</a:t>
             </a:fld>
             <a:endParaRPr lang="de-DE"/>
           </a:p>
@@ -1819,7 +1824,7 @@
           <a:p>
             <a:fld id="{E44906A1-B7F0-4751-A9A2-6A7CEEB285A9}" type="datetimeFigureOut">
               <a:rPr lang="de-DE" smtClean="0"/>
-              <a:t>27.06.2018</a:t>
+              <a:t>25.07.2018</a:t>
             </a:fld>
             <a:endParaRPr lang="de-DE"/>
           </a:p>
@@ -2096,7 +2101,7 @@
           <a:p>
             <a:fld id="{E44906A1-B7F0-4751-A9A2-6A7CEEB285A9}" type="datetimeFigureOut">
               <a:rPr lang="de-DE" smtClean="0"/>
-              <a:t>27.06.2018</a:t>
+              <a:t>25.07.2018</a:t>
             </a:fld>
             <a:endParaRPr lang="de-DE"/>
           </a:p>
@@ -2349,7 +2354,7 @@
           <a:p>
             <a:fld id="{E44906A1-B7F0-4751-A9A2-6A7CEEB285A9}" type="datetimeFigureOut">
               <a:rPr lang="de-DE" smtClean="0"/>
-              <a:t>27.06.2018</a:t>
+              <a:t>25.07.2018</a:t>
             </a:fld>
             <a:endParaRPr lang="de-DE"/>
           </a:p>
@@ -2562,7 +2567,7 @@
           <a:p>
             <a:fld id="{E44906A1-B7F0-4751-A9A2-6A7CEEB285A9}" type="datetimeFigureOut">
               <a:rPr lang="de-DE" smtClean="0"/>
-              <a:t>27.06.2018</a:t>
+              <a:t>25.07.2018</a:t>
             </a:fld>
             <a:endParaRPr lang="de-DE"/>
           </a:p>
@@ -2979,7 +2984,7 @@
             </p:custDataLst>
             <p:extLst>
               <p:ext uri="{D42A27DB-BD31-4B8C-83A1-F6EECF244321}">
-                <p14:modId xmlns:p14="http://schemas.microsoft.com/office/powerpoint/2010/main" val="3661765945"/>
+                <p14:modId xmlns:p14="http://schemas.microsoft.com/office/powerpoint/2010/main" val="2140089403"/>
               </p:ext>
             </p:extLst>
           </p:nvPr>
@@ -2992,7 +2997,7 @@
           <a:graphicData uri="http://schemas.openxmlformats.org/presentationml/2006/ole">
             <mc:AlternateContent xmlns:mc="http://schemas.openxmlformats.org/markup-compatibility/2006">
               <mc:Choice xmlns:v="urn:schemas-microsoft-com:vml" Requires="v">
-                <p:oleObj spid="_x0000_s1028" name="think-cell Folie" r:id="rId4" imgW="473" imgH="473" progId="TCLayout.ActiveDocument.1">
+                <p:oleObj spid="_x0000_s1032" name="think-cell Folie" r:id="rId4" imgW="473" imgH="473" progId="TCLayout.ActiveDocument.1">
                   <p:embed/>
                 </p:oleObj>
               </mc:Choice>
@@ -3084,7 +3089,7 @@
         </p:nvSpPr>
         <p:spPr>
           <a:xfrm>
-            <a:off x="4168205" y="3566997"/>
+            <a:off x="8223104" y="3566997"/>
             <a:ext cx="3878531" cy="2790129"/>
           </a:xfrm>
           <a:prstGeom prst="rect">
@@ -3245,7 +3250,7 @@
         </p:blipFill>
         <p:spPr>
           <a:xfrm>
-            <a:off x="5266213" y="3925778"/>
+            <a:off x="9321112" y="3925778"/>
             <a:ext cx="1682514" cy="1682514"/>
           </a:xfrm>
           <a:prstGeom prst="rect">
@@ -3261,7 +3266,7 @@
         </p:nvSpPr>
         <p:spPr>
           <a:xfrm>
-            <a:off x="5106202" y="5682528"/>
+            <a:off x="9161101" y="5682528"/>
             <a:ext cx="2002536" cy="461665"/>
           </a:xfrm>
           <a:prstGeom prst="rect">
@@ -3353,9 +3358,140 @@
           </a:p>
         </p:txBody>
       </p:sp>
+      <p:sp>
+        <p:nvSpPr>
+          <p:cNvPr id="9" name="Textfeld 8"/>
+          <p:cNvSpPr txBox="1"/>
+          <p:nvPr/>
+        </p:nvSpPr>
+        <p:spPr>
+          <a:xfrm>
+            <a:off x="8223104" y="2553155"/>
+            <a:ext cx="3878531" cy="461665"/>
+          </a:xfrm>
+          <a:prstGeom prst="rect">
+            <a:avLst/>
+          </a:prstGeom>
+          <a:noFill/>
+        </p:spPr>
+        <p:txBody>
+          <a:bodyPr wrap="square" rtlCol="0">
+            <a:spAutoFit/>
+          </a:bodyPr>
+          <a:lstStyle/>
+          <a:p>
+            <a:pPr algn="ctr"/>
+            <a:r>
+              <a:rPr lang="de-DE" sz="2400" dirty="0" err="1" smtClean="0">
+                <a:latin typeface="Arial Black" panose="020B0A04020102020204" pitchFamily="34" charset="0"/>
+              </a:rPr>
+              <a:t>Getting</a:t>
+            </a:r>
+            <a:r>
+              <a:rPr lang="de-DE" sz="2400" dirty="0" smtClean="0">
+                <a:latin typeface="Arial Black" panose="020B0A04020102020204" pitchFamily="34" charset="0"/>
+              </a:rPr>
+              <a:t> </a:t>
+            </a:r>
+            <a:r>
+              <a:rPr lang="de-DE" sz="2400" dirty="0" err="1" smtClean="0">
+                <a:latin typeface="Arial Black" panose="020B0A04020102020204" pitchFamily="34" charset="0"/>
+              </a:rPr>
+              <a:t>Started</a:t>
+            </a:r>
+            <a:endParaRPr lang="de-DE" sz="2400" dirty="0">
+              <a:latin typeface="Arial Black" panose="020B0A04020102020204" pitchFamily="34" charset="0"/>
+            </a:endParaRPr>
+          </a:p>
+        </p:txBody>
+      </p:sp>
+      <p:sp>
+        <p:nvSpPr>
+          <p:cNvPr id="11" name="Textfeld 10"/>
+          <p:cNvSpPr txBox="1"/>
+          <p:nvPr/>
+        </p:nvSpPr>
+        <p:spPr>
+          <a:xfrm>
+            <a:off x="113304" y="2553154"/>
+            <a:ext cx="3878532" cy="461665"/>
+          </a:xfrm>
+          <a:prstGeom prst="rect">
+            <a:avLst/>
+          </a:prstGeom>
+          <a:noFill/>
+        </p:spPr>
+        <p:txBody>
+          <a:bodyPr wrap="square" rtlCol="0">
+            <a:spAutoFit/>
+          </a:bodyPr>
+          <a:lstStyle/>
+          <a:p>
+            <a:pPr algn="ctr"/>
+            <a:r>
+              <a:rPr lang="de-DE" sz="2400" dirty="0" err="1" smtClean="0">
+                <a:latin typeface="Arial Black" panose="020B0A04020102020204" pitchFamily="34" charset="0"/>
+              </a:rPr>
+              <a:t>Pricing</a:t>
+            </a:r>
+            <a:endParaRPr lang="de-DE" sz="2400" dirty="0">
+              <a:latin typeface="Arial Black" panose="020B0A04020102020204" pitchFamily="34" charset="0"/>
+            </a:endParaRPr>
+          </a:p>
+        </p:txBody>
+      </p:sp>
+      <p:sp>
+        <p:nvSpPr>
+          <p:cNvPr id="17" name="Rechteck 16"/>
+          <p:cNvSpPr/>
+          <p:nvPr/>
+        </p:nvSpPr>
+        <p:spPr>
+          <a:xfrm>
+            <a:off x="113305" y="3566996"/>
+            <a:ext cx="3878531" cy="2790129"/>
+          </a:xfrm>
+          <a:prstGeom prst="rect">
+            <a:avLst/>
+          </a:prstGeom>
+          <a:solidFill>
+            <a:schemeClr val="accent1">
+              <a:lumMod val="20000"/>
+              <a:lumOff val="80000"/>
+            </a:schemeClr>
+          </a:solidFill>
+          <a:ln>
+            <a:noFill/>
+          </a:ln>
+        </p:spPr>
+        <p:style>
+          <a:lnRef idx="2">
+            <a:schemeClr val="accent1">
+              <a:shade val="50000"/>
+            </a:schemeClr>
+          </a:lnRef>
+          <a:fillRef idx="1">
+            <a:schemeClr val="accent1"/>
+          </a:fillRef>
+          <a:effectRef idx="0">
+            <a:schemeClr val="accent1"/>
+          </a:effectRef>
+          <a:fontRef idx="minor">
+            <a:schemeClr val="lt1"/>
+          </a:fontRef>
+        </p:style>
+        <p:txBody>
+          <a:bodyPr rtlCol="0" anchor="ctr"/>
+          <a:lstStyle/>
+          <a:p>
+            <a:pPr algn="ctr"/>
+            <a:endParaRPr lang="de-DE"/>
+          </a:p>
+        </p:txBody>
+      </p:sp>
       <p:pic>
         <p:nvPicPr>
-          <p:cNvPr id="8" name="Grafik 7"/>
+          <p:cNvPr id="2" name="Grafik 1"/>
           <p:cNvPicPr>
             <a:picLocks noChangeAspect="1"/>
           </p:cNvPicPr>
@@ -3375,8 +3511,8 @@
         </p:blipFill>
         <p:spPr>
           <a:xfrm>
-            <a:off x="9174288" y="655833"/>
-            <a:ext cx="1976161" cy="1976161"/>
+            <a:off x="1250306" y="3964772"/>
+            <a:ext cx="1604526" cy="1604526"/>
           </a:xfrm>
           <a:prstGeom prst="rect">
             <a:avLst/>
@@ -3385,13 +3521,13 @@
       </p:pic>
       <p:sp>
         <p:nvSpPr>
-          <p:cNvPr id="9" name="Textfeld 8"/>
+          <p:cNvPr id="18" name="Textfeld 17"/>
           <p:cNvSpPr txBox="1"/>
           <p:nvPr/>
         </p:nvSpPr>
         <p:spPr>
           <a:xfrm>
-            <a:off x="8223104" y="2553155"/>
+            <a:off x="113304" y="5682527"/>
             <a:ext cx="3878531" cy="461665"/>
           </a:xfrm>
           <a:prstGeom prst="rect">
@@ -3407,22 +3543,10 @@
           <a:p>
             <a:pPr algn="ctr"/>
             <a:r>
-              <a:rPr lang="de-DE" sz="2400" dirty="0" err="1" smtClean="0">
-                <a:latin typeface="Arial Black" panose="020B0A04020102020204" pitchFamily="34" charset="0"/>
-              </a:rPr>
-              <a:t>Getting</a:t>
-            </a:r>
-            <a:r>
               <a:rPr lang="de-DE" sz="2400" dirty="0" smtClean="0">
                 <a:latin typeface="Arial Black" panose="020B0A04020102020204" pitchFamily="34" charset="0"/>
               </a:rPr>
-              <a:t> </a:t>
-            </a:r>
-            <a:r>
-              <a:rPr lang="de-DE" sz="2400" dirty="0" err="1" smtClean="0">
-                <a:latin typeface="Arial Black" panose="020B0A04020102020204" pitchFamily="34" charset="0"/>
-              </a:rPr>
-              <a:t>Started</a:t>
+              <a:t>Business Partners</a:t>
             </a:r>
             <a:endParaRPr lang="de-DE" sz="2400" dirty="0">
               <a:latin typeface="Arial Black" panose="020B0A04020102020204" pitchFamily="34" charset="0"/>
@@ -3430,16 +3554,72 @@
           </a:p>
         </p:txBody>
       </p:sp>
+      <p:sp>
+        <p:nvSpPr>
+          <p:cNvPr id="19" name="Rechteck 18"/>
+          <p:cNvSpPr/>
+          <p:nvPr/>
+        </p:nvSpPr>
+        <p:spPr>
+          <a:xfrm>
+            <a:off x="4168203" y="3566995"/>
+            <a:ext cx="3878531" cy="2790129"/>
+          </a:xfrm>
+          <a:prstGeom prst="rect">
+            <a:avLst/>
+          </a:prstGeom>
+          <a:solidFill>
+            <a:schemeClr val="accent1">
+              <a:lumMod val="20000"/>
+              <a:lumOff val="80000"/>
+            </a:schemeClr>
+          </a:solidFill>
+          <a:ln>
+            <a:noFill/>
+          </a:ln>
+        </p:spPr>
+        <p:style>
+          <a:lnRef idx="2">
+            <a:schemeClr val="accent1">
+              <a:shade val="50000"/>
+            </a:schemeClr>
+          </a:lnRef>
+          <a:fillRef idx="1">
+            <a:schemeClr val="accent1"/>
+          </a:fillRef>
+          <a:effectRef idx="0">
+            <a:schemeClr val="accent1"/>
+          </a:effectRef>
+          <a:fontRef idx="minor">
+            <a:schemeClr val="lt1"/>
+          </a:fontRef>
+        </p:style>
+        <p:txBody>
+          <a:bodyPr rtlCol="0" anchor="ctr"/>
+          <a:lstStyle/>
+          <a:p>
+            <a:pPr algn="ctr"/>
+            <a:endParaRPr lang="de-DE"/>
+          </a:p>
+        </p:txBody>
+      </p:sp>
       <p:pic>
         <p:nvPicPr>
-          <p:cNvPr id="10" name="Grafik 9"/>
+          <p:cNvPr id="3" name="Grafik 2"/>
           <p:cNvPicPr>
             <a:picLocks noChangeAspect="1"/>
           </p:cNvPicPr>
           <p:nvPr/>
         </p:nvPicPr>
         <p:blipFill>
-          <a:blip r:embed="rId9">
+          <a:blip r:embed="rId9" cstate="print">
+            <a:duotone>
+              <a:prstClr val="black"/>
+              <a:schemeClr val="tx1">
+                <a:tint val="45000"/>
+                <a:satMod val="400000"/>
+              </a:schemeClr>
+            </a:duotone>
             <a:extLst>
               <a:ext uri="{28A0092B-C50C-407E-A947-70E740481C1C}">
                 <a14:useLocalDpi xmlns:a14="http://schemas.microsoft.com/office/drawing/2010/main" val="0"/>
@@ -3452,8 +3632,8 @@
         </p:blipFill>
         <p:spPr>
           <a:xfrm>
-            <a:off x="1255412" y="846756"/>
-            <a:ext cx="1594314" cy="1594314"/>
+            <a:off x="5229212" y="3926012"/>
+            <a:ext cx="1756515" cy="1756515"/>
           </a:xfrm>
           <a:prstGeom prst="rect">
             <a:avLst/>
@@ -3462,13 +3642,13 @@
       </p:pic>
       <p:sp>
         <p:nvSpPr>
-          <p:cNvPr id="11" name="Textfeld 10"/>
+          <p:cNvPr id="20" name="Textfeld 19"/>
           <p:cNvSpPr txBox="1"/>
           <p:nvPr/>
         </p:nvSpPr>
         <p:spPr>
           <a:xfrm>
-            <a:off x="113304" y="2553154"/>
+            <a:off x="4168202" y="5682526"/>
             <a:ext cx="3878532" cy="461665"/>
           </a:xfrm>
           <a:prstGeom prst="rect">
@@ -3484,10 +3664,10 @@
           <a:p>
             <a:pPr algn="ctr"/>
             <a:r>
-              <a:rPr lang="de-DE" sz="2400" dirty="0" err="1" smtClean="0">
+              <a:rPr lang="de-DE" sz="2400" dirty="0" smtClean="0">
                 <a:latin typeface="Arial Black" panose="020B0A04020102020204" pitchFamily="34" charset="0"/>
               </a:rPr>
-              <a:t>Pricing</a:t>
+              <a:t>Other Products</a:t>
             </a:r>
             <a:endParaRPr lang="de-DE" sz="2400" dirty="0">
               <a:latin typeface="Arial Black" panose="020B0A04020102020204" pitchFamily="34" charset="0"/>
@@ -3495,6 +3675,64 @@
           </a:p>
         </p:txBody>
       </p:sp>
+      <p:pic>
+        <p:nvPicPr>
+          <p:cNvPr id="21" name="Grafik 20"/>
+          <p:cNvPicPr>
+            <a:picLocks noChangeAspect="1"/>
+          </p:cNvPicPr>
+          <p:nvPr/>
+        </p:nvPicPr>
+        <p:blipFill rotWithShape="1">
+          <a:blip r:embed="rId10" cstate="print">
+            <a:extLst>
+              <a:ext uri="{28A0092B-C50C-407E-A947-70E740481C1C}">
+                <a14:useLocalDpi xmlns:a14="http://schemas.microsoft.com/office/drawing/2010/main" val="0"/>
+              </a:ext>
+            </a:extLst>
+          </a:blip>
+          <a:srcRect t="16800" b="31600"/>
+          <a:stretch/>
+        </p:blipFill>
+        <p:spPr>
+          <a:xfrm>
+            <a:off x="8840010" y="972297"/>
+            <a:ext cx="2651017" cy="1367925"/>
+          </a:xfrm>
+          <a:prstGeom prst="rect">
+            <a:avLst/>
+          </a:prstGeom>
+        </p:spPr>
+      </p:pic>
+      <p:pic>
+        <p:nvPicPr>
+          <p:cNvPr id="23" name="Grafik 22"/>
+          <p:cNvPicPr>
+            <a:picLocks noChangeAspect="1"/>
+          </p:cNvPicPr>
+          <p:nvPr/>
+        </p:nvPicPr>
+        <p:blipFill rotWithShape="1">
+          <a:blip r:embed="rId11" cstate="print">
+            <a:extLst>
+              <a:ext uri="{28A0092B-C50C-407E-A947-70E740481C1C}">
+                <a14:useLocalDpi xmlns:a14="http://schemas.microsoft.com/office/drawing/2010/main" val="0"/>
+              </a:ext>
+            </a:extLst>
+          </a:blip>
+          <a:srcRect b="13466"/>
+          <a:stretch/>
+        </p:blipFill>
+        <p:spPr>
+          <a:xfrm>
+            <a:off x="1106710" y="817284"/>
+            <a:ext cx="1891717" cy="1636966"/>
+          </a:xfrm>
+          <a:prstGeom prst="rect">
+            <a:avLst/>
+          </a:prstGeom>
+        </p:spPr>
+      </p:pic>
     </p:spTree>
     <p:extLst>
       <p:ext uri="{BB962C8B-B14F-4D97-AF65-F5344CB8AC3E}">
